--- a/Textual relations annotator.pptx
+++ b/Textual relations annotator.pptx
@@ -7243,10 +7243,6 @@
               <a:rPr lang="en-GB"/>
               <a:t>nnotator </a:t>
             </a:r>
-            <a:r>
-              <a:rPr lang="x-none" altLang="en-GB"/>
-              <a:t>with Feedback</a:t>
-            </a:r>
             <a:endParaRPr lang="x-none" altLang="en-GB"/>
           </a:p>
         </p:txBody>
@@ -7442,24 +7438,6 @@
           <a:p>
             <a:pPr marL="457200" lvl="0" indent="-330200" rtl="0">
               <a:spcBef>
-                <a:spcPts val="1600"/>
-              </a:spcBef>
-              <a:spcAft>
-                <a:spcPts val="0"/>
-              </a:spcAft>
-              <a:buSzPts val="1600"/>
-              <a:buFont typeface="Arial" panose="02080604020202020204" charset="0"/>
-              <a:buChar char="•"/>
-            </a:pPr>
-            <a:r>
-              <a:rPr lang="en-GB" sz="1600"/>
-              <a:t>File upload option (currently the files from local machine are used)</a:t>
-            </a:r>
-            <a:endParaRPr sz="1600"/>
-          </a:p>
-          <a:p>
-            <a:pPr marL="457200" lvl="0" indent="-330200" rtl="0">
-              <a:spcBef>
                 <a:spcPts val="0"/>
               </a:spcBef>
               <a:spcAft>
@@ -7491,20 +7469,6 @@
               <a:rPr lang="en-GB" sz="1600"/>
               <a:t>GUI can be improved using React JS</a:t>
             </a:r>
-            <a:endParaRPr sz="1600"/>
-          </a:p>
-          <a:p>
-            <a:pPr marL="127000" lvl="0" indent="0" rtl="0">
-              <a:spcBef>
-                <a:spcPts val="0"/>
-              </a:spcBef>
-              <a:spcAft>
-                <a:spcPts val="0"/>
-              </a:spcAft>
-              <a:buSzPts val="1600"/>
-              <a:buFont typeface="Arial" panose="02080604020202020204" charset="0"/>
-              <a:buNone/>
-            </a:pPr>
             <a:endParaRPr sz="1600"/>
           </a:p>
         </p:txBody>
@@ -7805,15 +7769,15 @@
               <a:buAutoNum type="arabicPeriod"/>
             </a:pPr>
             <a:r>
-              <a:rPr lang="en-GB" sz="1600"/>
-              <a:t>Create GUI for selecting phrases as positive examples.</a:t>
+              <a:rPr lang="x-none" sz="1600"/>
+              <a:t>Allow user to upload train and test documents to interface.</a:t>
             </a:r>
-            <a:endParaRPr sz="1600"/>
+            <a:endParaRPr lang="x-none" sz="1600"/>
           </a:p>
           <a:p>
             <a:pPr marL="457200" lvl="0" indent="-330200">
               <a:spcBef>
-                <a:spcPts val="1600"/>
+                <a:spcPts val="0"/>
               </a:spcBef>
               <a:spcAft>
                 <a:spcPts val="0"/>
@@ -7822,15 +7786,15 @@
               <a:buAutoNum type="arabicPeriod"/>
             </a:pPr>
             <a:r>
-              <a:rPr lang="en-GB" sz="1600"/>
-              <a:t>Convert document and positive examples into predicates for training and testing.</a:t>
+              <a:rPr lang="x-none" sz="1600"/>
+              <a:t>Display documents and allow selection of text as positive examples.</a:t>
             </a:r>
-            <a:endParaRPr sz="1600"/>
+            <a:endParaRPr lang="x-none" sz="1600"/>
           </a:p>
           <a:p>
-            <a:pPr marL="457200" lvl="0" indent="-330200" rtl="0">
-              <a:spcBef>
-                <a:spcPts val="1600"/>
+            <a:pPr marL="457200" lvl="0" indent="-330200">
+              <a:spcBef>
+                <a:spcPts val="0"/>
               </a:spcBef>
               <a:spcAft>
                 <a:spcPts val="0"/>
@@ -7839,26 +7803,69 @@
               <a:buAutoNum type="arabicPeriod"/>
             </a:pPr>
             <a:r>
-              <a:rPr lang="en-GB" sz="1600"/>
-              <a:t>Automate model training and testing using Boost SRL software.</a:t>
+              <a:rPr lang="x-none" sz="1600"/>
+              <a:t>Convert documents and positive examples to predicates format.</a:t>
             </a:r>
-            <a:endParaRPr sz="1600"/>
+            <a:endParaRPr lang="x-none" sz="1600"/>
           </a:p>
           <a:p>
             <a:pPr marL="457200" lvl="0" indent="-330200">
               <a:spcBef>
-                <a:spcPts val="1600"/>
-              </a:spcBef>
-              <a:spcAft>
-                <a:spcPts val="1600"/>
+                <a:spcPts val="0"/>
+              </a:spcBef>
+              <a:spcAft>
+                <a:spcPts val="0"/>
               </a:spcAft>
               <a:buSzPts val="1600"/>
               <a:buAutoNum type="arabicPeriod"/>
             </a:pPr>
             <a:r>
-              <a:rPr lang="en-GB" sz="1600"/>
-              <a:t>Display the test results in color-coded format.</a:t>
+              <a:rPr lang="x-none" sz="1600"/>
+              <a:t>Train Boost-SRL model (using all stored documents)</a:t>
             </a:r>
+            <a:endParaRPr lang="x-none" sz="1600"/>
+          </a:p>
+          <a:p>
+            <a:pPr marL="457200" lvl="0" indent="-330200">
+              <a:spcBef>
+                <a:spcPts val="1600"/>
+              </a:spcBef>
+              <a:spcAft>
+                <a:spcPts val="0"/>
+              </a:spcAft>
+              <a:buSzPts val="1600"/>
+              <a:buAutoNum type="arabicPeriod"/>
+            </a:pPr>
+            <a:r>
+              <a:rPr lang="x-none" sz="1600"/>
+              <a:t>Test the model and display test results in color-coded format </a:t>
+            </a:r>
+            <a:endParaRPr lang="x-none" sz="1600"/>
+          </a:p>
+          <a:p>
+            <a:pPr marL="457200" lvl="0" indent="-330200">
+              <a:spcBef>
+                <a:spcPts val="1600"/>
+              </a:spcBef>
+              <a:spcAft>
+                <a:spcPts val="0"/>
+              </a:spcAft>
+              <a:buSzPts val="1600"/>
+              <a:buAutoNum type="arabicPeriod"/>
+            </a:pPr>
+            <a:endParaRPr lang="x-none" sz="1600"/>
+          </a:p>
+          <a:p>
+            <a:pPr marL="457200" lvl="0" indent="-330200" rtl="0">
+              <a:spcBef>
+                <a:spcPts val="1600"/>
+              </a:spcBef>
+              <a:spcAft>
+                <a:spcPts val="0"/>
+              </a:spcAft>
+              <a:buSzPts val="1600"/>
+              <a:buAutoNum type="arabicPeriod"/>
+            </a:pPr>
             <a:endParaRPr sz="1600"/>
           </a:p>
         </p:txBody>
@@ -8001,8 +8008,8 @@
         </p:nvSpPr>
         <p:spPr>
           <a:xfrm>
-            <a:off x="311700" y="1171675"/>
-            <a:ext cx="7965300" cy="3397200"/>
+            <a:off x="311785" y="889635"/>
+            <a:ext cx="7965440" cy="4126230"/>
           </a:xfrm>
           <a:prstGeom prst="rect">
             <a:avLst/>
@@ -8014,6 +8021,19 @@
           </a:bodyPr>
           <a:lstStyle/>
           <a:p>
+            <a:pPr marL="127000" lvl="0" indent="0" rtl="0">
+              <a:spcBef>
+                <a:spcPts val="0"/>
+              </a:spcBef>
+              <a:spcAft>
+                <a:spcPts val="0"/>
+              </a:spcAft>
+              <a:buSzPts val="1600"/>
+              <a:buNone/>
+            </a:pPr>
+            <a:endParaRPr lang="x-none" altLang="en-GB" sz="1600"/>
+          </a:p>
+          <a:p>
             <a:pPr marL="457200" lvl="0" indent="-330200" rtl="0">
               <a:spcBef>
                 <a:spcPts val="0"/>
@@ -8025,8 +8045,20 @@
               <a:buAutoNum type="arabicPeriod"/>
             </a:pPr>
             <a:r>
+              <a:rPr lang="x-none" altLang="en-GB" sz="1600"/>
+              <a:t>Uploaded files are displayed, </a:t>
+            </a:r>
+            <a:r>
               <a:rPr lang="en-GB" sz="1600"/>
-              <a:t>Phrases can be selected and converted into positive examples using GUI (web interface).</a:t>
+              <a:t> positive examples </a:t>
+            </a:r>
+            <a:r>
+              <a:rPr lang="x-none" altLang="en-GB" sz="1600"/>
+              <a:t>can be selected </a:t>
+            </a:r>
+            <a:r>
+              <a:rPr lang="en-GB" sz="1600"/>
+              <a:t>using GUI (web interface).</a:t>
             </a:r>
             <a:endParaRPr sz="1600"/>
           </a:p>
@@ -8060,9 +8092,33 @@
             </a:pPr>
             <a:r>
               <a:rPr lang="en-GB" sz="1600"/>
-              <a:t>Appropriate files are created, model is training and testing is done using boost srl software (with bash scripts).</a:t>
+              <a:t>Appropriate files are created, model training and testing is done using </a:t>
             </a:r>
-            <a:endParaRPr sz="1600"/>
+            <a:r>
+              <a:rPr lang="x-none" altLang="en-GB" sz="1600"/>
+              <a:t>B</a:t>
+            </a:r>
+            <a:r>
+              <a:rPr lang="en-GB" sz="1600"/>
+              <a:t>oost</a:t>
+            </a:r>
+            <a:r>
+              <a:rPr lang="x-none" altLang="en-GB" sz="1600"/>
+              <a:t>-SRL</a:t>
+            </a:r>
+            <a:r>
+              <a:rPr lang="en-GB" sz="1600"/>
+              <a:t> software (</a:t>
+            </a:r>
+            <a:r>
+              <a:rPr lang="x-none" altLang="en-GB" sz="1600"/>
+              <a:t>using shell commands</a:t>
+            </a:r>
+            <a:r>
+              <a:rPr lang="en-GB" sz="1600"/>
+              <a:t>).</a:t>
+            </a:r>
+            <a:endParaRPr lang="x-none" altLang="en-GB" sz="1600"/>
           </a:p>
           <a:p>
             <a:pPr marL="457200" lvl="0" indent="-330200" rtl="0">
@@ -8079,7 +8135,50 @@
               <a:rPr lang="en-GB" sz="1600"/>
               <a:t>Results after testing are extracted and displayed in color-coded format on results page.</a:t>
             </a:r>
-            <a:endParaRPr sz="1600"/>
+            <a:endParaRPr lang="en-GB" sz="1600"/>
+          </a:p>
+          <a:p>
+            <a:pPr marL="457200" lvl="0" indent="-330200" rtl="0">
+              <a:spcBef>
+                <a:spcPts val="1600"/>
+              </a:spcBef>
+              <a:spcAft>
+                <a:spcPts val="1600"/>
+              </a:spcAft>
+              <a:buSzPts val="1600"/>
+              <a:buAutoNum type="arabicPeriod"/>
+            </a:pPr>
+            <a:r>
+              <a:rPr lang="x-none" altLang="en-GB" sz="1600"/>
+              <a:t>Program can be run in computers with Windows OS.</a:t>
+            </a:r>
+            <a:endParaRPr lang="x-none" altLang="en-GB" sz="1600"/>
+          </a:p>
+          <a:p>
+            <a:pPr marL="457200" lvl="0" indent="-330200" rtl="0">
+              <a:spcBef>
+                <a:spcPts val="1600"/>
+              </a:spcBef>
+              <a:spcAft>
+                <a:spcPts val="1600"/>
+              </a:spcAft>
+              <a:buSzPts val="1600"/>
+              <a:buAutoNum type="arabicPeriod"/>
+            </a:pPr>
+            <a:endParaRPr lang="en-GB" sz="1600"/>
+          </a:p>
+          <a:p>
+            <a:pPr marL="127000" lvl="0" indent="0" rtl="0">
+              <a:spcBef>
+                <a:spcPts val="1600"/>
+              </a:spcBef>
+              <a:spcAft>
+                <a:spcPts val="1600"/>
+              </a:spcAft>
+              <a:buSzPts val="1600"/>
+              <a:buNone/>
+            </a:pPr>
+            <a:endParaRPr lang="x-none" sz="1600"/>
           </a:p>
         </p:txBody>
       </p:sp>
@@ -8227,10 +8326,10 @@
               <a:buChar char="•"/>
             </a:pPr>
             <a:r>
-              <a:rPr lang="en-GB" sz="1600"/>
-              <a:t>Bash scripts (for Linux computers)</a:t>
+              <a:rPr lang="x-none" altLang="en-GB" sz="1600"/>
+              <a:t>Shell commands</a:t>
             </a:r>
-            <a:endParaRPr sz="1600"/>
+            <a:endParaRPr lang="x-none" altLang="en-GB" sz="1600"/>
           </a:p>
           <a:p>
             <a:pPr marL="457200" lvl="0" indent="-330200" rtl="0">
